--- a/Art of Scalability分享.pptx
+++ b/Art of Scalability分享.pptx
@@ -212,7 +212,7 @@
           <a:p>
             <a:fld id="{A6145049-D9EF-40BE-B261-E588FF5CDE6B}" type="datetimeFigureOut">
               <a:rPr lang="zh-CN" altLang="en-US" smtClean="0"/>
-              <a:t>2017/2/26</a:t>
+              <a:t>2017/3/1</a:t>
             </a:fld>
             <a:endParaRPr lang="zh-CN" altLang="en-US"/>
           </a:p>
@@ -1909,7 +1909,15 @@
             </a:pPr>
             <a:r>
               <a:rPr lang="zh-CN" altLang="en-US" dirty="0" smtClean="0"/>
-              <a:t>人需要负全部的责任，至少目前来说是这样的。但目前新兴的区块链技术可能改变这种状况，已经有人在利用区块链技术研究机器问责机制，这也是未来人工智能的必然结果。</a:t>
+              <a:t>大家都知道人是组织和产品当中最重要最关键的因素，这是共识。但是为什么是？关于这点真的所有人都有深刻的理解吗</a:t>
+            </a:r>
+            <a:r>
+              <a:rPr lang="en-US" altLang="zh-CN" dirty="0" smtClean="0"/>
+              <a:t>?</a:t>
+            </a:r>
+            <a:r>
+              <a:rPr lang="zh-CN" altLang="en-US" dirty="0" smtClean="0"/>
+              <a:t>中医韭菜壮阳、马云有钱，三层追问法</a:t>
             </a:r>
             <a:endParaRPr lang="en-US" altLang="zh-CN" dirty="0" smtClean="0"/>
           </a:p>
@@ -1933,6 +1941,58 @@
             </a:pPr>
             <a:r>
               <a:rPr lang="zh-CN" altLang="en-US" dirty="0" smtClean="0"/>
+              <a:t>你不是真的懂</a:t>
+            </a:r>
+            <a:endParaRPr lang="en-US" altLang="zh-CN" dirty="0" smtClean="0"/>
+          </a:p>
+          <a:p>
+            <a:pPr marL="0" marR="0" indent="0" algn="l" defTabSz="914400" rtl="0" eaLnBrk="1" fontAlgn="auto" latinLnBrk="0" hangingPunct="1">
+              <a:lnSpc>
+                <a:spcPct val="100000"/>
+              </a:lnSpc>
+              <a:spcBef>
+                <a:spcPts val="0"/>
+              </a:spcBef>
+              <a:spcAft>
+                <a:spcPts val="0"/>
+              </a:spcAft>
+              <a:buClrTx/>
+              <a:buSzTx/>
+              <a:buFontTx/>
+              <a:buNone/>
+              <a:tabLst/>
+              <a:defRPr/>
+            </a:pPr>
+            <a:r>
+              <a:rPr lang="zh-CN" altLang="en-US" dirty="0" smtClean="0"/>
+              <a:t>人</a:t>
+            </a:r>
+            <a:r>
+              <a:rPr lang="zh-CN" altLang="en-US" dirty="0" smtClean="0"/>
+              <a:t>需要负全部的责任，至少目前来说是这样的。但目前新兴的区块链技术可能改变这种状况，已经有人在利用区块链技术研究机器问责机制，这也是未来人工智能的必然结果。</a:t>
+            </a:r>
+            <a:endParaRPr lang="en-US" altLang="zh-CN" dirty="0" smtClean="0"/>
+          </a:p>
+          <a:p>
+            <a:pPr marL="0" marR="0" indent="0" algn="l" defTabSz="914400" rtl="0" eaLnBrk="1" fontAlgn="auto" latinLnBrk="0" hangingPunct="1">
+              <a:lnSpc>
+                <a:spcPct val="100000"/>
+              </a:lnSpc>
+              <a:spcBef>
+                <a:spcPts val="0"/>
+              </a:spcBef>
+              <a:spcAft>
+                <a:spcPts val="0"/>
+              </a:spcAft>
+              <a:buClrTx/>
+              <a:buSzTx/>
+              <a:buFontTx/>
+              <a:buNone/>
+              <a:tabLst/>
+              <a:defRPr/>
+            </a:pPr>
+            <a:r>
+              <a:rPr lang="zh-CN" altLang="en-US" dirty="0" smtClean="0"/>
               <a:t>乔布斯</a:t>
             </a:r>
             <a:r>
@@ -1957,7 +2017,59 @@
             </a:r>
             <a:r>
               <a:rPr lang="zh-CN" altLang="en-US" dirty="0" smtClean="0"/>
-              <a:t>年历练后，重返苹果乔布斯已经变的更加成熟，已经是一个合适的人。</a:t>
+              <a:t>年历练后，重返苹果乔布斯已经变的更加成熟，已经是一个合适的人</a:t>
+            </a:r>
+            <a:r>
+              <a:rPr lang="zh-CN" altLang="en-US" dirty="0" smtClean="0"/>
+              <a:t>。</a:t>
+            </a:r>
+            <a:endParaRPr lang="en-US" altLang="zh-CN" dirty="0" smtClean="0"/>
+          </a:p>
+          <a:p>
+            <a:pPr marL="0" marR="0" indent="0" algn="l" defTabSz="914400" rtl="0" eaLnBrk="1" fontAlgn="auto" latinLnBrk="0" hangingPunct="1">
+              <a:lnSpc>
+                <a:spcPct val="100000"/>
+              </a:lnSpc>
+              <a:spcBef>
+                <a:spcPts val="0"/>
+              </a:spcBef>
+              <a:spcAft>
+                <a:spcPts val="0"/>
+              </a:spcAft>
+              <a:buClrTx/>
+              <a:buSzTx/>
+              <a:buFontTx/>
+              <a:buNone/>
+              <a:tabLst/>
+              <a:defRPr/>
+            </a:pPr>
+            <a:r>
+              <a:rPr lang="zh-CN" altLang="en-US" dirty="0" smtClean="0"/>
+              <a:t>三层次追问法：为什么？怎样的人是合适的人？如何招聘到合适的人？</a:t>
+            </a:r>
+            <a:endParaRPr lang="en-US" altLang="zh-CN" dirty="0" smtClean="0"/>
+          </a:p>
+          <a:p>
+            <a:pPr marL="0" marR="0" indent="0" algn="l" defTabSz="914400" rtl="0" eaLnBrk="1" fontAlgn="auto" latinLnBrk="0" hangingPunct="1">
+              <a:lnSpc>
+                <a:spcPct val="100000"/>
+              </a:lnSpc>
+              <a:spcBef>
+                <a:spcPts val="0"/>
+              </a:spcBef>
+              <a:spcAft>
+                <a:spcPts val="0"/>
+              </a:spcAft>
+              <a:buClrTx/>
+              <a:buSzTx/>
+              <a:buFontTx/>
+              <a:buNone/>
+              <a:tabLst/>
+              <a:defRPr/>
+            </a:pPr>
+            <a:r>
+              <a:rPr lang="zh-CN" altLang="en-US" smtClean="0"/>
+              <a:t>团队关联网传播</a:t>
             </a:r>
             <a:endParaRPr lang="zh-CN" altLang="en-US" dirty="0"/>
           </a:p>
@@ -2529,7 +2641,7 @@
             <a:fld id="{B61BEF0D-F0BB-DE4B-95CE-6DB70DBA9567}" type="datetimeFigureOut">
               <a:rPr lang="en-US" dirty="0"/>
               <a:pPr/>
-              <a:t>2/26/2017</a:t>
+              <a:t>3/1/2017</a:t>
             </a:fld>
             <a:endParaRPr lang="en-US" dirty="0"/>
           </a:p>
@@ -2850,7 +2962,7 @@
             <a:fld id="{B61BEF0D-F0BB-DE4B-95CE-6DB70DBA9567}" type="datetimeFigureOut">
               <a:rPr lang="en-US" dirty="0"/>
               <a:pPr/>
-              <a:t>2/26/2017</a:t>
+              <a:t>3/1/2017</a:t>
             </a:fld>
             <a:endParaRPr lang="en-US" dirty="0"/>
           </a:p>
@@ -3095,7 +3207,7 @@
             <a:fld id="{B61BEF0D-F0BB-DE4B-95CE-6DB70DBA9567}" type="datetimeFigureOut">
               <a:rPr lang="en-US" dirty="0"/>
               <a:pPr/>
-              <a:t>2/26/2017</a:t>
+              <a:t>3/1/2017</a:t>
             </a:fld>
             <a:endParaRPr lang="en-US" dirty="0"/>
           </a:p>
@@ -3431,7 +3543,7 @@
             <a:fld id="{B61BEF0D-F0BB-DE4B-95CE-6DB70DBA9567}" type="datetimeFigureOut">
               <a:rPr lang="en-US" dirty="0"/>
               <a:pPr/>
-              <a:t>2/26/2017</a:t>
+              <a:t>3/1/2017</a:t>
             </a:fld>
             <a:endParaRPr lang="en-US" dirty="0"/>
           </a:p>
@@ -3775,7 +3887,7 @@
             <a:fld id="{B61BEF0D-F0BB-DE4B-95CE-6DB70DBA9567}" type="datetimeFigureOut">
               <a:rPr lang="en-US" dirty="0"/>
               <a:pPr/>
-              <a:t>2/26/2017</a:t>
+              <a:t>3/1/2017</a:t>
             </a:fld>
             <a:endParaRPr lang="en-US" dirty="0"/>
           </a:p>
@@ -4146,7 +4258,7 @@
             <a:fld id="{B61BEF0D-F0BB-DE4B-95CE-6DB70DBA9567}" type="datetimeFigureOut">
               <a:rPr lang="en-US" dirty="0"/>
               <a:pPr/>
-              <a:t>2/26/2017</a:t>
+              <a:t>3/1/2017</a:t>
             </a:fld>
             <a:endParaRPr lang="en-US" dirty="0"/>
           </a:p>
@@ -4613,7 +4725,7 @@
             <a:fld id="{B61BEF0D-F0BB-DE4B-95CE-6DB70DBA9567}" type="datetimeFigureOut">
               <a:rPr lang="en-US" dirty="0"/>
               <a:pPr/>
-              <a:t>2/26/2017</a:t>
+              <a:t>3/1/2017</a:t>
             </a:fld>
             <a:endParaRPr lang="en-US" dirty="0"/>
           </a:p>
@@ -4815,7 +4927,7 @@
             <a:fld id="{B61BEF0D-F0BB-DE4B-95CE-6DB70DBA9567}" type="datetimeFigureOut">
               <a:rPr lang="en-US" dirty="0"/>
               <a:pPr/>
-              <a:t>2/26/2017</a:t>
+              <a:t>3/1/2017</a:t>
             </a:fld>
             <a:endParaRPr lang="en-US" dirty="0"/>
           </a:p>
@@ -5023,7 +5135,7 @@
             <a:fld id="{B61BEF0D-F0BB-DE4B-95CE-6DB70DBA9567}" type="datetimeFigureOut">
               <a:rPr lang="en-US" dirty="0"/>
               <a:pPr/>
-              <a:t>2/26/2017</a:t>
+              <a:t>3/1/2017</a:t>
             </a:fld>
             <a:endParaRPr lang="en-US" dirty="0"/>
           </a:p>
@@ -5251,7 +5363,7 @@
           <a:p>
             <a:fld id="{52647F38-B617-4D2F-AE0A-013F0C4D2C57}" type="datetimeFigureOut">
               <a:rPr lang="en-US" dirty="0"/>
-              <a:t>2/26/2017</a:t>
+              <a:t>3/1/2017</a:t>
             </a:fld>
             <a:endParaRPr lang="en-US" dirty="0"/>
           </a:p>
@@ -5495,7 +5607,7 @@
             <a:fld id="{B61BEF0D-F0BB-DE4B-95CE-6DB70DBA9567}" type="datetimeFigureOut">
               <a:rPr lang="en-US" dirty="0"/>
               <a:pPr/>
-              <a:t>2/26/2017</a:t>
+              <a:t>3/1/2017</a:t>
             </a:fld>
             <a:endParaRPr lang="en-US" dirty="0"/>
           </a:p>
@@ -5789,7 +5901,7 @@
           <a:p>
             <a:fld id="{05BFA754-D5C3-4E66-96A6-867B257F58DC}" type="datetimeFigureOut">
               <a:rPr lang="en-US" dirty="0"/>
-              <a:t>2/26/2017</a:t>
+              <a:t>3/1/2017</a:t>
             </a:fld>
             <a:endParaRPr lang="en-US" dirty="0"/>
           </a:p>
@@ -6179,7 +6291,7 @@
             <a:fld id="{B61BEF0D-F0BB-DE4B-95CE-6DB70DBA9567}" type="datetimeFigureOut">
               <a:rPr lang="en-US" dirty="0"/>
               <a:pPr/>
-              <a:t>2/26/2017</a:t>
+              <a:t>3/1/2017</a:t>
             </a:fld>
             <a:endParaRPr lang="en-US" dirty="0"/>
           </a:p>
@@ -6325,7 +6437,7 @@
             <a:fld id="{B61BEF0D-F0BB-DE4B-95CE-6DB70DBA9567}" type="datetimeFigureOut">
               <a:rPr lang="en-US" dirty="0"/>
               <a:pPr/>
-              <a:t>2/26/2017</a:t>
+              <a:t>3/1/2017</a:t>
             </a:fld>
             <a:endParaRPr lang="en-US" dirty="0"/>
           </a:p>
@@ -6448,7 +6560,7 @@
             <a:fld id="{B61BEF0D-F0BB-DE4B-95CE-6DB70DBA9567}" type="datetimeFigureOut">
               <a:rPr lang="en-US" dirty="0"/>
               <a:pPr/>
-              <a:t>2/26/2017</a:t>
+              <a:t>3/1/2017</a:t>
             </a:fld>
             <a:endParaRPr lang="en-US" dirty="0"/>
           </a:p>
@@ -6700,7 +6812,7 @@
             <a:fld id="{B61BEF0D-F0BB-DE4B-95CE-6DB70DBA9567}" type="datetimeFigureOut">
               <a:rPr lang="en-US" dirty="0"/>
               <a:pPr/>
-              <a:t>2/26/2017</a:t>
+              <a:t>3/1/2017</a:t>
             </a:fld>
             <a:endParaRPr lang="en-US" dirty="0"/>
           </a:p>
@@ -7012,7 +7124,7 @@
             <a:fld id="{B61BEF0D-F0BB-DE4B-95CE-6DB70DBA9567}" type="datetimeFigureOut">
               <a:rPr lang="en-US" dirty="0"/>
               <a:pPr/>
-              <a:t>2/26/2017</a:t>
+              <a:t>3/1/2017</a:t>
             </a:fld>
             <a:endParaRPr lang="en-US" dirty="0"/>
           </a:p>
@@ -7360,7 +7472,7 @@
             <a:fld id="{B61BEF0D-F0BB-DE4B-95CE-6DB70DBA9567}" type="datetimeFigureOut">
               <a:rPr lang="en-US" dirty="0"/>
               <a:pPr/>
-              <a:t>2/26/2017</a:t>
+              <a:t>3/1/2017</a:t>
             </a:fld>
             <a:endParaRPr lang="en-US" dirty="0"/>
           </a:p>
@@ -9746,7 +9858,7 @@
         <a:sysClr val="windowText" lastClr="000000"/>
       </a:dk1>
       <a:lt1>
-        <a:sysClr val="window" lastClr="FFFFFF"/>
+        <a:sysClr val="window" lastClr="CCE8CF"/>
       </a:lt1>
       <a:dk2>
         <a:srgbClr val="212121"/>
@@ -9979,7 +10091,7 @@
         <a:sysClr val="windowText" lastClr="000000"/>
       </a:dk1>
       <a:lt1>
-        <a:sysClr val="window" lastClr="FFFFFF"/>
+        <a:sysClr val="window" lastClr="CCE8CF"/>
       </a:lt1>
       <a:dk2>
         <a:srgbClr val="44546A"/>
